--- a/Lab1/WeatherStationArchitecture_43FDAB1D.pptx
+++ b/Lab1/WeatherStationArchitecture_43FDAB1D.pptx
@@ -105,6 +105,11 @@
       </a:defRPr>
     </a:lvl9pPr>
   </p:defaultTextStyle>
+  <p:extLst>
+    <p:ext uri="{EFAFB233-063F-42B5-8137-9DF3F51BA10A}">
+      <p15:sldGuideLst xmlns:p15="http://schemas.microsoft.com/office/powerpoint/2012/main"/>
+    </p:ext>
+  </p:extLst>
 </p:presentation>
 </file>
 
@@ -4246,7 +4251,7 @@
             </a:r>
             <a:r>
               <a:rPr lang="en-US" dirty="0"/>
-              <a:t> we can use Stream Analytics for stream process , Cosmos DB for warm storage, BI tool for Analysis, and Azure Storage for cold path storage</a:t>
+              <a:t> we can use Stream Analytics for stream process , Cosmos DB for warm storage, BI tool/Machine learning for Analysis, and Azure Storage for cold path storage</a:t>
             </a:r>
           </a:p>
           <a:p>

--- a/Lab1/WeatherStationArchitecture_43FDAB1D.pptx
+++ b/Lab1/WeatherStationArchitecture_43FDAB1D.pptx
@@ -4216,7 +4216,7 @@
         </p:spPr>
         <p:txBody>
           <a:bodyPr>
-            <a:normAutofit/>
+            <a:normAutofit fontScale="92500" lnSpcReduction="20000"/>
           </a:bodyPr>
           <a:lstStyle/>
           <a:p>
@@ -4260,7 +4260,16 @@
             </a:pPr>
             <a:r>
               <a:rPr lang="en-US" dirty="0"/>
-              <a:t> 4) a user interface to visualize telemetry data and facilitate device management, we can user Azure function and logic apps for actions.</a:t>
+              <a:t>4) Business process integration facilitates executing actions based on insights garnered from device telemetry data during stream processing.  Integration could include storage of informational messages, alarms, sending email or SMS, integration with CRM, and more.  We can use Azure Functions and Logic Apps for business process integration.  </a:t>
+            </a:r>
+          </a:p>
+          <a:p>
+            <a:pPr marL="0" indent="0">
+              <a:buNone/>
+            </a:pPr>
+            <a:r>
+              <a:rPr lang="en-US" dirty="0"/>
+              <a:t> 5) a user interface to visualize telemetry data and facilitate device management, we can user Azure function and logic apps for actions.</a:t>
             </a:r>
           </a:p>
           <a:p>
